--- a/i112 - O Come, O Come, Emmanuel.pptx
+++ b/i112 - O Come, O Come, Emmanuel.pptx
@@ -115,10 +115,6 @@
 </p:presentation>
 </file>
 
-<file path=ppt/revisionInfo.xml><?xml version="1.0" encoding="utf-8"?>
-<p1510:revInfo xmlns:a="http://schemas.openxmlformats.org/drawingml/2006/main" xmlns:r="http://schemas.openxmlformats.org/officeDocument/2006/relationships" xmlns:p1510="http://schemas.microsoft.com/office/powerpoint/2015/10/main"/>
-</file>
-
 <file path=ppt/slideLayouts/slideLayout1.xml><?xml version="1.0" encoding="utf-8"?>
 <p:sldLayout xmlns:a="http://schemas.openxmlformats.org/drawingml/2006/main" xmlns:r="http://schemas.openxmlformats.org/officeDocument/2006/relationships" xmlns:p="http://schemas.openxmlformats.org/presentationml/2006/main" type="title" preserve="1">
   <p:cSld name="Title Slide">
@@ -248,7 +244,7 @@
           <a:p>
             <a:fld id="{32F7251A-AE54-443C-B8FE-5F636E835EBF}" type="datetimeFigureOut">
               <a:rPr lang="en-US" smtClean="0"/>
-              <a:t>11/26/2017</a:t>
+              <a:t>12/15/2019</a:t>
             </a:fld>
             <a:endParaRPr lang="en-US"/>
           </a:p>
@@ -416,7 +412,7 @@
           <a:p>
             <a:fld id="{32F7251A-AE54-443C-B8FE-5F636E835EBF}" type="datetimeFigureOut">
               <a:rPr lang="en-US" smtClean="0"/>
-              <a:t>11/26/2017</a:t>
+              <a:t>12/15/2019</a:t>
             </a:fld>
             <a:endParaRPr lang="en-US"/>
           </a:p>
@@ -594,7 +590,7 @@
           <a:p>
             <a:fld id="{32F7251A-AE54-443C-B8FE-5F636E835EBF}" type="datetimeFigureOut">
               <a:rPr lang="en-US" smtClean="0"/>
-              <a:t>11/26/2017</a:t>
+              <a:t>12/15/2019</a:t>
             </a:fld>
             <a:endParaRPr lang="en-US"/>
           </a:p>
@@ -762,7 +758,7 @@
           <a:p>
             <a:fld id="{32F7251A-AE54-443C-B8FE-5F636E835EBF}" type="datetimeFigureOut">
               <a:rPr lang="en-US" smtClean="0"/>
-              <a:t>11/26/2017</a:t>
+              <a:t>12/15/2019</a:t>
             </a:fld>
             <a:endParaRPr lang="en-US"/>
           </a:p>
@@ -1007,7 +1003,7 @@
           <a:p>
             <a:fld id="{32F7251A-AE54-443C-B8FE-5F636E835EBF}" type="datetimeFigureOut">
               <a:rPr lang="en-US" smtClean="0"/>
-              <a:t>11/26/2017</a:t>
+              <a:t>12/15/2019</a:t>
             </a:fld>
             <a:endParaRPr lang="en-US"/>
           </a:p>
@@ -1236,7 +1232,7 @@
           <a:p>
             <a:fld id="{32F7251A-AE54-443C-B8FE-5F636E835EBF}" type="datetimeFigureOut">
               <a:rPr lang="en-US" smtClean="0"/>
-              <a:t>11/26/2017</a:t>
+              <a:t>12/15/2019</a:t>
             </a:fld>
             <a:endParaRPr lang="en-US"/>
           </a:p>
@@ -1600,7 +1596,7 @@
           <a:p>
             <a:fld id="{32F7251A-AE54-443C-B8FE-5F636E835EBF}" type="datetimeFigureOut">
               <a:rPr lang="en-US" smtClean="0"/>
-              <a:t>11/26/2017</a:t>
+              <a:t>12/15/2019</a:t>
             </a:fld>
             <a:endParaRPr lang="en-US"/>
           </a:p>
@@ -1717,7 +1713,7 @@
           <a:p>
             <a:fld id="{32F7251A-AE54-443C-B8FE-5F636E835EBF}" type="datetimeFigureOut">
               <a:rPr lang="en-US" smtClean="0"/>
-              <a:t>11/26/2017</a:t>
+              <a:t>12/15/2019</a:t>
             </a:fld>
             <a:endParaRPr lang="en-US"/>
           </a:p>
@@ -1812,7 +1808,7 @@
           <a:p>
             <a:fld id="{32F7251A-AE54-443C-B8FE-5F636E835EBF}" type="datetimeFigureOut">
               <a:rPr lang="en-US" smtClean="0"/>
-              <a:t>11/26/2017</a:t>
+              <a:t>12/15/2019</a:t>
             </a:fld>
             <a:endParaRPr lang="en-US"/>
           </a:p>
@@ -2087,7 +2083,7 @@
           <a:p>
             <a:fld id="{32F7251A-AE54-443C-B8FE-5F636E835EBF}" type="datetimeFigureOut">
               <a:rPr lang="en-US" smtClean="0"/>
-              <a:t>11/26/2017</a:t>
+              <a:t>12/15/2019</a:t>
             </a:fld>
             <a:endParaRPr lang="en-US"/>
           </a:p>
@@ -2339,7 +2335,7 @@
           <a:p>
             <a:fld id="{32F7251A-AE54-443C-B8FE-5F636E835EBF}" type="datetimeFigureOut">
               <a:rPr lang="en-US" smtClean="0"/>
-              <a:t>11/26/2017</a:t>
+              <a:t>12/15/2019</a:t>
             </a:fld>
             <a:endParaRPr lang="en-US"/>
           </a:p>
@@ -2406,7 +2402,9 @@
     <p:bg>
       <p:bgPr>
         <a:solidFill>
-          <a:srgbClr val="333333"/>
+          <a:schemeClr val="bg1">
+            <a:lumMod val="10000"/>
+          </a:schemeClr>
         </a:solidFill>
         <a:effectLst/>
       </p:bgPr>
@@ -2553,7 +2551,7 @@
           <a:p>
             <a:fld id="{32F7251A-AE54-443C-B8FE-5F636E835EBF}" type="datetimeFigureOut">
               <a:rPr lang="en-US" smtClean="0"/>
-              <a:t>11/26/2017</a:t>
+              <a:t>12/15/2019</a:t>
             </a:fld>
             <a:endParaRPr lang="en-US"/>
           </a:p>
@@ -3035,15 +3033,23 @@
           <a:bodyPr wrap="square" rtlCol="0" anchor="ctr">
             <a:spAutoFit/>
           </a:bodyPr>
-          <a:lstStyle/>
-          <a:p>
-            <a:pPr algn="ctr"/>
-            <a:r>
-              <a:rPr lang="en-US" sz="4800" dirty="0">
+          <a:lstStyle>
+            <a:defPPr>
+              <a:defRPr lang="en-US"/>
+            </a:defPPr>
+            <a:lvl1pPr algn="ctr">
+              <a:defRPr sz="3200" u="sng">
                 <a:solidFill>
                   <a:schemeClr val="bg1"/>
                 </a:solidFill>
-              </a:rPr>
+                <a:latin typeface="Assistant SemiBold" panose="00000700000000000000" pitchFamily="2" charset="-79"/>
+                <a:cs typeface="Assistant SemiBold" panose="00000700000000000000" pitchFamily="2" charset="-79"/>
+              </a:defRPr>
+            </a:lvl1pPr>
+          </a:lstStyle>
+          <a:p>
+            <a:r>
+              <a:rPr lang="en-US" dirty="0"/>
               <a:t>“O Come, O Come, Emmanuel”</a:t>
             </a:r>
           </a:p>
@@ -3057,8 +3063,8 @@
         </p:nvSpPr>
         <p:spPr>
           <a:xfrm>
-            <a:off x="0" y="772144"/>
-            <a:ext cx="12192000" cy="3970318"/>
+            <a:off x="0" y="1097820"/>
+            <a:ext cx="12192000" cy="3231654"/>
           </a:xfrm>
           <a:prstGeom prst="rect">
             <a:avLst/>
@@ -3069,78 +3075,56 @@
           <a:bodyPr wrap="square" rtlCol="0">
             <a:spAutoFit/>
           </a:bodyPr>
-          <a:lstStyle/>
-          <a:p>
-            <a:pPr algn="ctr"/>
-            <a:r>
-              <a:rPr lang="en-US" sz="3600" dirty="0">
+          <a:lstStyle>
+            <a:defPPr>
+              <a:defRPr lang="en-US"/>
+            </a:defPPr>
+            <a:lvl1pPr algn="ctr">
+              <a:defRPr sz="2800" spc="50">
                 <a:solidFill>
                   <a:schemeClr val="bg1"/>
                 </a:solidFill>
-              </a:rPr>
+                <a:latin typeface="Assistant" panose="00000500000000000000" pitchFamily="2" charset="-79"/>
+                <a:cs typeface="Assistant" panose="00000500000000000000" pitchFamily="2" charset="-79"/>
+              </a:defRPr>
+            </a:lvl1pPr>
+          </a:lstStyle>
+          <a:p>
+            <a:r>
+              <a:rPr lang="en-US" dirty="0"/>
               <a:t>O come, O come, Emmanuel,</a:t>
             </a:r>
           </a:p>
           <a:p>
-            <a:pPr algn="ctr"/>
-            <a:r>
-              <a:rPr lang="en-US" sz="3600" dirty="0">
-                <a:solidFill>
-                  <a:schemeClr val="bg1"/>
-                </a:solidFill>
-              </a:rPr>
+            <a:r>
+              <a:rPr lang="en-US" dirty="0"/>
               <a:t>And ransom captive Israel,</a:t>
             </a:r>
           </a:p>
           <a:p>
-            <a:pPr algn="ctr"/>
-            <a:r>
-              <a:rPr lang="en-US" sz="3600" dirty="0">
-                <a:solidFill>
-                  <a:schemeClr val="bg1"/>
-                </a:solidFill>
-              </a:rPr>
+            <a:r>
+              <a:rPr lang="en-US" dirty="0"/>
               <a:t>That mourns in lonely exile here,</a:t>
             </a:r>
           </a:p>
           <a:p>
-            <a:pPr algn="ctr"/>
-            <a:r>
-              <a:rPr lang="en-US" sz="3600" dirty="0">
-                <a:solidFill>
-                  <a:schemeClr val="bg1"/>
-                </a:solidFill>
-              </a:rPr>
+            <a:r>
+              <a:rPr lang="en-US" dirty="0"/>
               <a:t>Until the Son of God appear.</a:t>
             </a:r>
           </a:p>
           <a:p>
-            <a:pPr algn="ctr"/>
-            <a:endParaRPr lang="en-US" sz="3600" dirty="0">
-              <a:solidFill>
-                <a:schemeClr val="bg1"/>
-              </a:solidFill>
-            </a:endParaRPr>
-          </a:p>
-          <a:p>
-            <a:pPr algn="ctr"/>
-            <a:r>
-              <a:rPr lang="en-US" sz="3600" dirty="0">
-                <a:solidFill>
-                  <a:schemeClr val="bg1"/>
-                </a:solidFill>
-              </a:rPr>
+            <a:endParaRPr lang="en-US" dirty="0"/>
+          </a:p>
+          <a:p>
+            <a:r>
+              <a:rPr lang="en-US" dirty="0"/>
               <a:t>Rejoice!  Rejoice!</a:t>
             </a:r>
           </a:p>
           <a:p>
-            <a:pPr algn="ctr"/>
-            <a:r>
-              <a:rPr lang="en-US" sz="3600" dirty="0">
-                <a:solidFill>
-                  <a:schemeClr val="bg1"/>
-                </a:solidFill>
-              </a:rPr>
+            <a:r>
+              <a:rPr lang="en-US" dirty="0"/>
               <a:t>Emmanuel shall come to thee, O Israel!</a:t>
             </a:r>
           </a:p>
@@ -3235,14 +3219,14 @@
       </p:sp>
       <p:sp>
         <p:nvSpPr>
-          <p:cNvPr id="7" name="TextBox 6"/>
+          <p:cNvPr id="8" name="TextBox 7"/>
           <p:cNvSpPr txBox="1"/>
           <p:nvPr/>
         </p:nvSpPr>
         <p:spPr>
           <a:xfrm>
-            <a:off x="0" y="5804209"/>
-            <a:ext cx="12192000" cy="830997"/>
+            <a:off x="0" y="1110346"/>
+            <a:ext cx="12192000" cy="3231654"/>
           </a:xfrm>
           <a:prstGeom prst="rect">
             <a:avLst/>
@@ -3250,33 +3234,80 @@
           <a:noFill/>
         </p:spPr>
         <p:txBody>
-          <a:bodyPr wrap="square" rtlCol="0" anchor="ctr">
+          <a:bodyPr wrap="square" rtlCol="0">
             <a:spAutoFit/>
           </a:bodyPr>
-          <a:lstStyle/>
-          <a:p>
-            <a:pPr algn="ctr"/>
-            <a:r>
-              <a:rPr lang="en-US" sz="4800" dirty="0">
+          <a:lstStyle>
+            <a:defPPr>
+              <a:defRPr lang="en-US"/>
+            </a:defPPr>
+            <a:lvl1pPr algn="ctr">
+              <a:defRPr sz="2800" spc="50">
                 <a:solidFill>
                   <a:schemeClr val="bg1"/>
                 </a:solidFill>
-              </a:rPr>
-              <a:t>“O Come, O Come, Emmanuel”</a:t>
-            </a:r>
-          </a:p>
-        </p:txBody>
-      </p:sp>
-      <p:sp>
-        <p:nvSpPr>
-          <p:cNvPr id="8" name="TextBox 7"/>
+                <a:latin typeface="Assistant" panose="00000500000000000000" pitchFamily="2" charset="-79"/>
+                <a:cs typeface="Assistant" panose="00000500000000000000" pitchFamily="2" charset="-79"/>
+              </a:defRPr>
+            </a:lvl1pPr>
+          </a:lstStyle>
+          <a:p>
+            <a:r>
+              <a:rPr lang="en-US" dirty="0"/>
+              <a:t>O come, O come, Thou holy child,</a:t>
+            </a:r>
+          </a:p>
+          <a:p>
+            <a:r>
+              <a:rPr lang="en-US" dirty="0"/>
+              <a:t>By whom the world was reconciled,</a:t>
+            </a:r>
+          </a:p>
+          <a:p>
+            <a:r>
+              <a:rPr lang="en-US" dirty="0"/>
+              <a:t>Preserving Jacob lost from sight,</a:t>
+            </a:r>
+          </a:p>
+          <a:p>
+            <a:r>
+              <a:rPr lang="en-US" dirty="0"/>
+              <a:t>And rising as the Gentile’s light.</a:t>
+            </a:r>
+          </a:p>
+          <a:p>
+            <a:endParaRPr lang="en-US" dirty="0"/>
+          </a:p>
+          <a:p>
+            <a:r>
+              <a:rPr lang="en-US" dirty="0"/>
+              <a:t>Rejoice!  Rejoice!</a:t>
+            </a:r>
+          </a:p>
+          <a:p>
+            <a:r>
+              <a:rPr lang="en-US" dirty="0"/>
+              <a:t>Emmanuel shall come to thee, O Israel!</a:t>
+            </a:r>
+          </a:p>
+        </p:txBody>
+      </p:sp>
+      <p:sp>
+        <p:nvSpPr>
+          <p:cNvPr id="5" name="TextBox 4">
+            <a:extLst>
+              <a:ext uri="{FF2B5EF4-FFF2-40B4-BE49-F238E27FC236}">
+                <a16:creationId xmlns:a16="http://schemas.microsoft.com/office/drawing/2014/main" id="{E9DA864E-6BA7-4FBA-8F56-E03E8BF86BA5}"/>
+              </a:ext>
+            </a:extLst>
+          </p:cNvPr>
           <p:cNvSpPr txBox="1"/>
           <p:nvPr/>
         </p:nvSpPr>
         <p:spPr>
           <a:xfrm>
-            <a:off x="0" y="772144"/>
-            <a:ext cx="12192000" cy="3970318"/>
+            <a:off x="0" y="5927320"/>
+            <a:ext cx="12192000" cy="584775"/>
           </a:xfrm>
           <a:prstGeom prst="rect">
             <a:avLst/>
@@ -3284,82 +3315,27 @@
           <a:noFill/>
         </p:spPr>
         <p:txBody>
-          <a:bodyPr wrap="square" rtlCol="0">
+          <a:bodyPr wrap="square" rtlCol="0" anchor="ctr">
             <a:spAutoFit/>
           </a:bodyPr>
-          <a:lstStyle/>
-          <a:p>
-            <a:pPr algn="ctr"/>
-            <a:r>
-              <a:rPr lang="en-US" sz="3600" dirty="0">
+          <a:lstStyle>
+            <a:defPPr>
+              <a:defRPr lang="en-US"/>
+            </a:defPPr>
+            <a:lvl1pPr algn="ctr">
+              <a:defRPr sz="3200" u="sng">
                 <a:solidFill>
                   <a:schemeClr val="bg1"/>
                 </a:solidFill>
-              </a:rPr>
-              <a:t>O come, O come, Thou holy child,</a:t>
-            </a:r>
-          </a:p>
-          <a:p>
-            <a:pPr algn="ctr"/>
-            <a:r>
-              <a:rPr lang="en-US" sz="3600" dirty="0">
-                <a:solidFill>
-                  <a:schemeClr val="bg1"/>
-                </a:solidFill>
-              </a:rPr>
-              <a:t>By whom the world was reconciled,</a:t>
-            </a:r>
-          </a:p>
-          <a:p>
-            <a:pPr algn="ctr"/>
-            <a:r>
-              <a:rPr lang="en-US" sz="3600" dirty="0">
-                <a:solidFill>
-                  <a:schemeClr val="bg1"/>
-                </a:solidFill>
-              </a:rPr>
-              <a:t>Preserving Jacob lost from sight,</a:t>
-            </a:r>
-          </a:p>
-          <a:p>
-            <a:pPr algn="ctr"/>
-            <a:r>
-              <a:rPr lang="en-US" sz="3600" dirty="0">
-                <a:solidFill>
-                  <a:schemeClr val="bg1"/>
-                </a:solidFill>
-              </a:rPr>
-              <a:t>And rising as the Gentile’s light.</a:t>
-            </a:r>
-          </a:p>
-          <a:p>
-            <a:pPr algn="ctr"/>
-            <a:endParaRPr lang="en-US" sz="3600" dirty="0">
-              <a:solidFill>
-                <a:schemeClr val="bg1"/>
-              </a:solidFill>
-            </a:endParaRPr>
-          </a:p>
-          <a:p>
-            <a:pPr algn="ctr"/>
-            <a:r>
-              <a:rPr lang="en-US" sz="3600" dirty="0">
-                <a:solidFill>
-                  <a:schemeClr val="bg1"/>
-                </a:solidFill>
-              </a:rPr>
-              <a:t>Rejoice!  Rejoice!</a:t>
-            </a:r>
-          </a:p>
-          <a:p>
-            <a:pPr algn="ctr"/>
-            <a:r>
-              <a:rPr lang="en-US" sz="3600" dirty="0">
-                <a:solidFill>
-                  <a:schemeClr val="bg1"/>
-                </a:solidFill>
-              </a:rPr>
-              <a:t>Emmanuel shall come to thee, O Israel!</a:t>
+                <a:latin typeface="Assistant SemiBold" panose="00000700000000000000" pitchFamily="2" charset="-79"/>
+                <a:cs typeface="Assistant SemiBold" panose="00000700000000000000" pitchFamily="2" charset="-79"/>
+              </a:defRPr>
+            </a:lvl1pPr>
+          </a:lstStyle>
+          <a:p>
+            <a:r>
+              <a:rPr lang="en-US" dirty="0"/>
+              <a:t>“O Come, O Come, Emmanuel”</a:t>
             </a:r>
           </a:p>
         </p:txBody>
@@ -3453,14 +3429,14 @@
       </p:sp>
       <p:sp>
         <p:nvSpPr>
-          <p:cNvPr id="7" name="TextBox 6"/>
+          <p:cNvPr id="8" name="TextBox 7"/>
           <p:cNvSpPr txBox="1"/>
           <p:nvPr/>
         </p:nvSpPr>
         <p:spPr>
           <a:xfrm>
-            <a:off x="0" y="5804209"/>
-            <a:ext cx="12192000" cy="830997"/>
+            <a:off x="0" y="1097820"/>
+            <a:ext cx="12192000" cy="3231654"/>
           </a:xfrm>
           <a:prstGeom prst="rect">
             <a:avLst/>
@@ -3468,33 +3444,80 @@
           <a:noFill/>
         </p:spPr>
         <p:txBody>
-          <a:bodyPr wrap="square" rtlCol="0" anchor="ctr">
+          <a:bodyPr wrap="square" rtlCol="0">
             <a:spAutoFit/>
           </a:bodyPr>
-          <a:lstStyle/>
-          <a:p>
-            <a:pPr algn="ctr"/>
-            <a:r>
-              <a:rPr lang="en-US" sz="4800" dirty="0">
+          <a:lstStyle>
+            <a:defPPr>
+              <a:defRPr lang="en-US"/>
+            </a:defPPr>
+            <a:lvl1pPr algn="ctr">
+              <a:defRPr sz="2800" spc="50">
                 <a:solidFill>
                   <a:schemeClr val="bg1"/>
                 </a:solidFill>
-              </a:rPr>
-              <a:t>“O Come, O Come, Emmanuel”</a:t>
-            </a:r>
-          </a:p>
-        </p:txBody>
-      </p:sp>
-      <p:sp>
-        <p:nvSpPr>
-          <p:cNvPr id="8" name="TextBox 7"/>
+                <a:latin typeface="Assistant" panose="00000500000000000000" pitchFamily="2" charset="-79"/>
+                <a:cs typeface="Assistant" panose="00000500000000000000" pitchFamily="2" charset="-79"/>
+              </a:defRPr>
+            </a:lvl1pPr>
+          </a:lstStyle>
+          <a:p>
+            <a:r>
+              <a:rPr lang="en-US" dirty="0"/>
+              <a:t>O come, O come, Anointed King,</a:t>
+            </a:r>
+          </a:p>
+          <a:p>
+            <a:r>
+              <a:rPr lang="en-US" dirty="0"/>
+              <a:t>Release Thy saints from Satan’s sting,</a:t>
+            </a:r>
+          </a:p>
+          <a:p>
+            <a:r>
+              <a:rPr lang="en-US" dirty="0"/>
+              <a:t>Enslaved to worldliness and sin,</a:t>
+            </a:r>
+          </a:p>
+          <a:p>
+            <a:r>
+              <a:rPr lang="en-US" dirty="0"/>
+              <a:t>Come free Thy people once again.</a:t>
+            </a:r>
+          </a:p>
+          <a:p>
+            <a:endParaRPr lang="en-US" dirty="0"/>
+          </a:p>
+          <a:p>
+            <a:r>
+              <a:rPr lang="en-US" dirty="0"/>
+              <a:t>Rejoice!  Rejoice!</a:t>
+            </a:r>
+          </a:p>
+          <a:p>
+            <a:r>
+              <a:rPr lang="en-US" dirty="0"/>
+              <a:t>Emmanuel shall come to thee, O Israel!</a:t>
+            </a:r>
+          </a:p>
+        </p:txBody>
+      </p:sp>
+      <p:sp>
+        <p:nvSpPr>
+          <p:cNvPr id="5" name="TextBox 4">
+            <a:extLst>
+              <a:ext uri="{FF2B5EF4-FFF2-40B4-BE49-F238E27FC236}">
+                <a16:creationId xmlns:a16="http://schemas.microsoft.com/office/drawing/2014/main" id="{78A981B0-2D94-47B4-962C-5F52D3C4D433}"/>
+              </a:ext>
+            </a:extLst>
+          </p:cNvPr>
           <p:cNvSpPr txBox="1"/>
           <p:nvPr/>
         </p:nvSpPr>
         <p:spPr>
           <a:xfrm>
-            <a:off x="0" y="772144"/>
-            <a:ext cx="12192000" cy="3970318"/>
+            <a:off x="0" y="5927320"/>
+            <a:ext cx="12192000" cy="584775"/>
           </a:xfrm>
           <a:prstGeom prst="rect">
             <a:avLst/>
@@ -3502,98 +3525,27 @@
           <a:noFill/>
         </p:spPr>
         <p:txBody>
-          <a:bodyPr wrap="square" rtlCol="0">
+          <a:bodyPr wrap="square" rtlCol="0" anchor="ctr">
             <a:spAutoFit/>
           </a:bodyPr>
-          <a:lstStyle/>
-          <a:p>
-            <a:pPr algn="ctr"/>
-            <a:r>
-              <a:rPr lang="en-US" sz="3600" dirty="0">
+          <a:lstStyle>
+            <a:defPPr>
+              <a:defRPr lang="en-US"/>
+            </a:defPPr>
+            <a:lvl1pPr algn="ctr">
+              <a:defRPr sz="3200" u="sng">
                 <a:solidFill>
                   <a:schemeClr val="bg1"/>
                 </a:solidFill>
-              </a:rPr>
-              <a:t>O come, O come, </a:t>
-            </a:r>
-            <a:r>
-              <a:rPr lang="en-US" sz="3600" dirty="0" err="1">
-                <a:solidFill>
-                  <a:schemeClr val="bg1"/>
-                </a:solidFill>
-              </a:rPr>
-              <a:t>Annointed</a:t>
-            </a:r>
-            <a:r>
-              <a:rPr lang="en-US" sz="3600" dirty="0">
-                <a:solidFill>
-                  <a:schemeClr val="bg1"/>
-                </a:solidFill>
-              </a:rPr>
-              <a:t> King,</a:t>
-            </a:r>
-          </a:p>
-          <a:p>
-            <a:pPr algn="ctr"/>
-            <a:r>
-              <a:rPr lang="en-US" sz="3600" dirty="0">
-                <a:solidFill>
-                  <a:schemeClr val="bg1"/>
-                </a:solidFill>
-              </a:rPr>
-              <a:t>Release Thy saints from Satan’s sting,</a:t>
-            </a:r>
-          </a:p>
-          <a:p>
-            <a:pPr algn="ctr"/>
-            <a:r>
-              <a:rPr lang="en-US" sz="3600" dirty="0">
-                <a:solidFill>
-                  <a:schemeClr val="bg1"/>
-                </a:solidFill>
-              </a:rPr>
-              <a:t>Enslaved to worldliness and sin,</a:t>
-            </a:r>
-          </a:p>
-          <a:p>
-            <a:pPr algn="ctr"/>
-            <a:r>
-              <a:rPr lang="en-US" sz="3600" dirty="0">
-                <a:solidFill>
-                  <a:schemeClr val="bg1"/>
-                </a:solidFill>
-              </a:rPr>
-              <a:t>Come free Thy people once again.</a:t>
-            </a:r>
-          </a:p>
-          <a:p>
-            <a:pPr algn="ctr"/>
-            <a:endParaRPr lang="en-US" sz="3600" dirty="0">
-              <a:solidFill>
-                <a:schemeClr val="bg1"/>
-              </a:solidFill>
-            </a:endParaRPr>
-          </a:p>
-          <a:p>
-            <a:pPr algn="ctr"/>
-            <a:r>
-              <a:rPr lang="en-US" sz="3600" dirty="0">
-                <a:solidFill>
-                  <a:schemeClr val="bg1"/>
-                </a:solidFill>
-              </a:rPr>
-              <a:t>Rejoice!  Rejoice!</a:t>
-            </a:r>
-          </a:p>
-          <a:p>
-            <a:pPr algn="ctr"/>
-            <a:r>
-              <a:rPr lang="en-US" sz="3600" dirty="0">
-                <a:solidFill>
-                  <a:schemeClr val="bg1"/>
-                </a:solidFill>
-              </a:rPr>
-              <a:t>Emmanuel shall come to thee, O Israel!</a:t>
+                <a:latin typeface="Assistant SemiBold" panose="00000700000000000000" pitchFamily="2" charset="-79"/>
+                <a:cs typeface="Assistant SemiBold" panose="00000700000000000000" pitchFamily="2" charset="-79"/>
+              </a:defRPr>
+            </a:lvl1pPr>
+          </a:lstStyle>
+          <a:p>
+            <a:r>
+              <a:rPr lang="en-US" dirty="0"/>
+              <a:t>“O Come, O Come, Emmanuel”</a:t>
             </a:r>
           </a:p>
         </p:txBody>
@@ -3687,14 +3639,14 @@
       </p:sp>
       <p:sp>
         <p:nvSpPr>
-          <p:cNvPr id="7" name="TextBox 6"/>
+          <p:cNvPr id="8" name="TextBox 7"/>
           <p:cNvSpPr txBox="1"/>
           <p:nvPr/>
         </p:nvSpPr>
         <p:spPr>
           <a:xfrm>
-            <a:off x="0" y="5804209"/>
-            <a:ext cx="12192000" cy="830997"/>
+            <a:off x="0" y="1172976"/>
+            <a:ext cx="12192000" cy="3231654"/>
           </a:xfrm>
           <a:prstGeom prst="rect">
             <a:avLst/>
@@ -3702,33 +3654,80 @@
           <a:noFill/>
         </p:spPr>
         <p:txBody>
-          <a:bodyPr wrap="square" rtlCol="0" anchor="ctr">
+          <a:bodyPr wrap="square" rtlCol="0">
             <a:spAutoFit/>
           </a:bodyPr>
-          <a:lstStyle/>
-          <a:p>
-            <a:pPr algn="ctr"/>
-            <a:r>
-              <a:rPr lang="en-US" sz="4800" dirty="0">
+          <a:lstStyle>
+            <a:defPPr>
+              <a:defRPr lang="en-US"/>
+            </a:defPPr>
+            <a:lvl1pPr algn="ctr">
+              <a:defRPr sz="2800" spc="50">
                 <a:solidFill>
                   <a:schemeClr val="bg1"/>
                 </a:solidFill>
-              </a:rPr>
-              <a:t>“O Come, O Come, Emmanuel”</a:t>
-            </a:r>
-          </a:p>
-        </p:txBody>
-      </p:sp>
-      <p:sp>
-        <p:nvSpPr>
-          <p:cNvPr id="8" name="TextBox 7"/>
+                <a:latin typeface="Assistant" panose="00000500000000000000" pitchFamily="2" charset="-79"/>
+                <a:cs typeface="Assistant" panose="00000500000000000000" pitchFamily="2" charset="-79"/>
+              </a:defRPr>
+            </a:lvl1pPr>
+          </a:lstStyle>
+          <a:p>
+            <a:r>
+              <a:rPr lang="en-US" dirty="0"/>
+              <a:t>O come, O come, Redeemer, come,</a:t>
+            </a:r>
+          </a:p>
+          <a:p>
+            <a:r>
+              <a:rPr lang="en-US" dirty="0"/>
+              <a:t>And gather scattered Jacob home,</a:t>
+            </a:r>
+          </a:p>
+          <a:p>
+            <a:r>
+              <a:rPr lang="en-US" dirty="0"/>
+              <a:t>Assembled into Zion’s light,</a:t>
+            </a:r>
+          </a:p>
+          <a:p>
+            <a:r>
+              <a:rPr lang="en-US" dirty="0"/>
+              <a:t>Descend to them in glory bright.</a:t>
+            </a:r>
+          </a:p>
+          <a:p>
+            <a:endParaRPr lang="en-US" dirty="0"/>
+          </a:p>
+          <a:p>
+            <a:r>
+              <a:rPr lang="en-US" dirty="0"/>
+              <a:t>Rejoice!  Rejoice!</a:t>
+            </a:r>
+          </a:p>
+          <a:p>
+            <a:r>
+              <a:rPr lang="en-US" dirty="0"/>
+              <a:t>Emmanuel shall come to thee, O Israel!</a:t>
+            </a:r>
+          </a:p>
+        </p:txBody>
+      </p:sp>
+      <p:sp>
+        <p:nvSpPr>
+          <p:cNvPr id="5" name="TextBox 4">
+            <a:extLst>
+              <a:ext uri="{FF2B5EF4-FFF2-40B4-BE49-F238E27FC236}">
+                <a16:creationId xmlns:a16="http://schemas.microsoft.com/office/drawing/2014/main" id="{447C6D7E-4DA8-4577-90EF-7E8C715671C4}"/>
+              </a:ext>
+            </a:extLst>
+          </p:cNvPr>
           <p:cNvSpPr txBox="1"/>
           <p:nvPr/>
         </p:nvSpPr>
         <p:spPr>
           <a:xfrm>
-            <a:off x="0" y="772144"/>
-            <a:ext cx="12192000" cy="3970318"/>
+            <a:off x="0" y="5927320"/>
+            <a:ext cx="12192000" cy="584775"/>
           </a:xfrm>
           <a:prstGeom prst="rect">
             <a:avLst/>
@@ -3736,95 +3735,27 @@
           <a:noFill/>
         </p:spPr>
         <p:txBody>
-          <a:bodyPr wrap="square" rtlCol="0">
+          <a:bodyPr wrap="square" rtlCol="0" anchor="ctr">
             <a:spAutoFit/>
           </a:bodyPr>
-          <a:lstStyle/>
-          <a:p>
-            <a:pPr algn="ctr"/>
-            <a:r>
-              <a:rPr lang="en-US" sz="3600" dirty="0">
+          <a:lstStyle>
+            <a:defPPr>
+              <a:defRPr lang="en-US"/>
+            </a:defPPr>
+            <a:lvl1pPr algn="ctr">
+              <a:defRPr sz="3200" u="sng">
                 <a:solidFill>
                   <a:schemeClr val="bg1"/>
                 </a:solidFill>
-              </a:rPr>
-              <a:t>O come, O come, Redeemer, come,</a:t>
-            </a:r>
-          </a:p>
-          <a:p>
-            <a:pPr algn="ctr"/>
-            <a:r>
-              <a:rPr lang="en-US" sz="3600" dirty="0">
-                <a:solidFill>
-                  <a:schemeClr val="bg1"/>
-                </a:solidFill>
-              </a:rPr>
-              <a:t>And gather scattered Jacob home,</a:t>
-            </a:r>
-          </a:p>
-          <a:p>
-            <a:pPr algn="ctr"/>
-            <a:r>
-              <a:rPr lang="en-US" sz="3600" dirty="0">
-                <a:solidFill>
-                  <a:schemeClr val="bg1"/>
-                </a:solidFill>
-              </a:rPr>
-              <a:t>Assembled into Zion’s light,</a:t>
-            </a:r>
-          </a:p>
-          <a:p>
-            <a:pPr algn="ctr"/>
-            <a:r>
-              <a:rPr lang="en-US" sz="3600" dirty="0">
-                <a:solidFill>
-                  <a:schemeClr val="bg1"/>
-                </a:solidFill>
-              </a:rPr>
-              <a:t>Descend to them in </a:t>
-            </a:r>
-            <a:r>
-              <a:rPr lang="en-US" sz="3600">
-                <a:solidFill>
-                  <a:schemeClr val="bg1"/>
-                </a:solidFill>
-              </a:rPr>
-              <a:t>glory bright.</a:t>
-            </a:r>
-            <a:endParaRPr lang="en-US" sz="3600" dirty="0">
-              <a:solidFill>
-                <a:schemeClr val="bg1"/>
-              </a:solidFill>
-            </a:endParaRPr>
-          </a:p>
-          <a:p>
-            <a:pPr algn="ctr"/>
-            <a:endParaRPr lang="en-US" sz="3600" dirty="0">
-              <a:solidFill>
-                <a:schemeClr val="bg1"/>
-              </a:solidFill>
-            </a:endParaRPr>
-          </a:p>
-          <a:p>
-            <a:pPr algn="ctr"/>
-            <a:r>
-              <a:rPr lang="en-US" sz="3600" dirty="0">
-                <a:solidFill>
-                  <a:schemeClr val="bg1"/>
-                </a:solidFill>
-              </a:rPr>
-              <a:t>Rejoice!  Rejoice!</a:t>
-            </a:r>
-          </a:p>
-          <a:p>
-            <a:pPr algn="ctr"/>
-            <a:r>
-              <a:rPr lang="en-US" sz="3600" dirty="0">
-                <a:solidFill>
-                  <a:schemeClr val="bg1"/>
-                </a:solidFill>
-              </a:rPr>
-              <a:t>Emmanuel shall come to thee, O Israel!</a:t>
+                <a:latin typeface="Assistant SemiBold" panose="00000700000000000000" pitchFamily="2" charset="-79"/>
+                <a:cs typeface="Assistant SemiBold" panose="00000700000000000000" pitchFamily="2" charset="-79"/>
+              </a:defRPr>
+            </a:lvl1pPr>
+          </a:lstStyle>
+          <a:p>
+            <a:r>
+              <a:rPr lang="en-US" dirty="0"/>
+              <a:t>“O Come, O Come, Emmanuel”</a:t>
             </a:r>
           </a:p>
         </p:txBody>
